--- a/PROJECT1/Project 1_PPT.pptx
+++ b/PROJECT1/Project 1_PPT.pptx
@@ -359,7 +359,7 @@
           <a:p>
             <a:fld id="{9AB3A824-1A51-4B26-AD58-A6D8E14F6C04}" type="datetimeFigureOut">
               <a:rPr lang="en-US" dirty="0"/>
-              <a:t>10/16/2023</a:t>
+              <a:t>10/17/23</a:t>
             </a:fld>
             <a:endParaRPr lang="en-US" dirty="0"/>
           </a:p>
@@ -693,7 +693,7 @@
           <a:p>
             <a:fld id="{D857E33E-8B18-4087-B112-809917729534}" type="datetimeFigureOut">
               <a:rPr lang="en-US" dirty="0"/>
-              <a:t>10/16/2023</a:t>
+              <a:t>10/17/23</a:t>
             </a:fld>
             <a:endParaRPr lang="en-US" dirty="0"/>
           </a:p>
@@ -995,7 +995,7 @@
           <a:p>
             <a:fld id="{D3FFE419-2371-464F-8239-3959401C3561}" type="datetimeFigureOut">
               <a:rPr lang="en-US" dirty="0"/>
-              <a:t>10/16/2023</a:t>
+              <a:t>10/17/23</a:t>
             </a:fld>
             <a:endParaRPr lang="en-US" dirty="0"/>
           </a:p>
@@ -1242,7 +1242,7 @@
           <a:p>
             <a:fld id="{97D162C4-EDD9-4389-A98B-B87ECEA2A816}" type="datetimeFigureOut">
               <a:rPr lang="en-US" dirty="0"/>
-              <a:t>10/16/2023</a:t>
+              <a:t>10/17/23</a:t>
             </a:fld>
             <a:endParaRPr lang="en-US" dirty="0"/>
           </a:p>
@@ -1649,7 +1649,7 @@
           <a:p>
             <a:fld id="{3E5059C3-6A89-4494-99FF-5A4D6FFD50EB}" type="datetimeFigureOut">
               <a:rPr lang="en-US" dirty="0"/>
-              <a:t>10/16/2023</a:t>
+              <a:t>10/17/23</a:t>
             </a:fld>
             <a:endParaRPr lang="en-US" dirty="0"/>
           </a:p>
@@ -1963,7 +1963,7 @@
           <a:p>
             <a:fld id="{CA954B2F-12DE-47F5-8894-472B206D2E1E}" type="datetimeFigureOut">
               <a:rPr lang="en-US" dirty="0"/>
-              <a:t>10/16/2023</a:t>
+              <a:t>10/17/23</a:t>
             </a:fld>
             <a:endParaRPr lang="en-US" dirty="0"/>
           </a:p>
@@ -2507,7 +2507,7 @@
           <a:p>
             <a:fld id="{3F30E46F-7819-4ACF-B48B-48222C2ACC88}" type="datetimeFigureOut">
               <a:rPr lang="en-US" dirty="0"/>
-              <a:t>10/16/2023</a:t>
+              <a:t>10/17/23</a:t>
             </a:fld>
             <a:endParaRPr lang="en-US" dirty="0"/>
           </a:p>
@@ -2702,7 +2702,7 @@
           <a:p>
             <a:fld id="{1FAF3416-4057-4DAA-829D-4CA07428D088}" type="datetimeFigureOut">
               <a:rPr lang="en-US" dirty="0"/>
-              <a:t>10/16/2023</a:t>
+              <a:t>10/17/23</a:t>
             </a:fld>
             <a:endParaRPr lang="en-US" dirty="0"/>
           </a:p>
@@ -2915,7 +2915,7 @@
           <a:p>
             <a:fld id="{921D9284-D300-4297-87F7-E791DCC15DB1}" type="datetimeFigureOut">
               <a:rPr lang="en-US" dirty="0"/>
-              <a:t>10/16/2023</a:t>
+              <a:t>10/17/23</a:t>
             </a:fld>
             <a:endParaRPr lang="en-US" dirty="0"/>
           </a:p>
@@ -3284,7 +3284,7 @@
           <a:p>
             <a:fld id="{37D525BB-DA17-4BA0-B3C8-3AC3ABC827E6}" type="datetimeFigureOut">
               <a:rPr lang="en-US" dirty="0"/>
-              <a:t>10/16/2023</a:t>
+              <a:t>10/17/23</a:t>
             </a:fld>
             <a:endParaRPr lang="en-US" dirty="0"/>
           </a:p>
@@ -3687,7 +3687,7 @@
           <a:p>
             <a:fld id="{B16C4C9A-3960-41CF-A4E9-2A8FB932454B}" type="datetimeFigureOut">
               <a:rPr lang="en-US" dirty="0"/>
-              <a:t>10/16/2023</a:t>
+              <a:t>10/17/23</a:t>
             </a:fld>
             <a:endParaRPr lang="en-US" dirty="0"/>
           </a:p>
@@ -3998,7 +3998,7 @@
           <a:p>
             <a:fld id="{3CBC1C18-307B-4F68-A007-B5B542270E8D}" type="datetimeFigureOut">
               <a:rPr lang="en-US" dirty="0"/>
-              <a:t>10/16/2023</a:t>
+              <a:t>10/17/23</a:t>
             </a:fld>
             <a:endParaRPr lang="en-US" dirty="0"/>
           </a:p>
@@ -4794,7 +4794,7 @@
             </a:r>
             <a:r>
               <a:rPr lang="en-US" dirty="0"/>
-              <a:t> = </a:t>
+              <a:t> =  -0.5576336 </a:t>
             </a:r>
           </a:p>
         </p:txBody>
@@ -4850,7 +4850,7 @@
             </a:r>
             <a:r>
               <a:rPr lang="en-US" dirty="0"/>
-              <a:t>= </a:t>
+              <a:t>= 0.3801943</a:t>
             </a:r>
           </a:p>
         </p:txBody>
@@ -4956,7 +4956,7 @@
                   </a:schemeClr>
                 </a:solidFill>
               </a:rPr>
-              <a:t> = </a:t>
+              <a:t> = -0.3524114</a:t>
             </a:r>
           </a:p>
         </p:txBody>
@@ -5066,7 +5066,7 @@
                   </a:schemeClr>
                 </a:solidFill>
               </a:rPr>
-              <a:t> = </a:t>
+              <a:t> = -0.3119592</a:t>
             </a:r>
           </a:p>
         </p:txBody>
